--- a/Курсовой проект Акулов П.А..pptx
+++ b/Курсовой проект Акулов П.А..pptx
@@ -4963,7 +4963,7 @@
             <a:pPr algn="ctr"/>
             <a:r>
               <a:rPr lang="ru-RU" sz="4000" dirty="0"/>
-              <a:t>Введение в разработку базы данных</a:t>
+              <a:t>Требования к базе данных</a:t>
             </a:r>
           </a:p>
         </p:txBody>
@@ -5017,8 +5017,8 @@
         </p:nvSpPr>
         <p:spPr>
           <a:xfrm>
-            <a:off x="1130269" y="1781968"/>
-            <a:ext cx="5712658" cy="2422779"/>
+            <a:off x="928968" y="798295"/>
+            <a:ext cx="6510513" cy="4084773"/>
           </a:xfrm>
           <a:prstGeom prst="rect">
             <a:avLst/>
@@ -5038,7 +5038,7 @@
             </a:pPr>
             <a:r>
               <a:rPr lang="ru-RU" sz="3200" dirty="0"/>
-              <a:t>Необходимо понять:</a:t>
+              <a:t>Необходимо обеспечить:</a:t>
             </a:r>
           </a:p>
           <a:p>
@@ -5051,8 +5051,13 @@
             </a:pPr>
             <a:r>
               <a:rPr lang="ru-RU" sz="2400" dirty="0"/>
-              <a:t>Что такое база данных</a:t>
-            </a:r>
+              <a:t>Соблюдение третьей нормальной формы (</a:t>
+            </a:r>
+            <a:r>
+              <a:rPr lang="ru-RU" sz="2400"/>
+              <a:t>3NF)</a:t>
+            </a:r>
+            <a:endParaRPr lang="ru-RU" sz="2400" dirty="0"/>
           </a:p>
           <a:p>
             <a:pPr marL="514350" indent="-514350">
@@ -5064,7 +5069,33 @@
             </a:pPr>
             <a:r>
               <a:rPr lang="ru-RU" sz="2400" dirty="0"/>
-              <a:t>С помощью какой СУБД буду вести разработку</a:t>
+              <a:t>Целостность данных и ограничения</a:t>
+            </a:r>
+          </a:p>
+          <a:p>
+            <a:pPr marL="514350" indent="-514350">
+              <a:lnSpc>
+                <a:spcPct val="150000"/>
+              </a:lnSpc>
+              <a:buFont typeface="Wingdings" panose="05000000000000000000" pitchFamily="2" charset="2"/>
+              <a:buChar char="§"/>
+            </a:pPr>
+            <a:r>
+              <a:rPr lang="ru-RU" sz="2400" dirty="0"/>
+              <a:t>Производительность и индексация</a:t>
+            </a:r>
+          </a:p>
+          <a:p>
+            <a:pPr marL="514350" indent="-514350">
+              <a:lnSpc>
+                <a:spcPct val="150000"/>
+              </a:lnSpc>
+              <a:buFont typeface="Wingdings" panose="05000000000000000000" pitchFamily="2" charset="2"/>
+              <a:buChar char="§"/>
+            </a:pPr>
+            <a:r>
+              <a:rPr lang="ru-RU" sz="2400" dirty="0"/>
+              <a:t>Безопасность и управление доступом</a:t>
             </a:r>
           </a:p>
         </p:txBody>
